--- a/Plots/new_aws_servers.pptx
+++ b/Plots/new_aws_servers.pptx
@@ -2999,16 +2999,19 @@
                 <a:satMod val="400000"/>
               </a:schemeClr>
             </a:duotone>
-            <a:alphaModFix amt="46000"/>
+            <a:alphaModFix amt="37000"/>
             <a:extLst>
               <a:ext uri="{BEBA8EAE-BF5A-486C-A8C5-ECC9F3942E4B}">
                 <a14:imgProps xmlns:a14="http://schemas.microsoft.com/office/drawing/2010/main">
                   <a14:imgLayer r:embed="rId3">
                     <a14:imgEffect>
+                      <a14:colorTemperature colorTemp="6144"/>
+                    </a14:imgEffect>
+                    <a14:imgEffect>
                       <a14:saturation sat="0"/>
                     </a14:imgEffect>
                     <a14:imgEffect>
-                      <a14:brightnessContrast contrast="4000"/>
+                      <a14:brightnessContrast bright="10000" contrast="-40000"/>
                     </a14:imgEffect>
                   </a14:imgLayer>
                 </a14:imgProps>
@@ -3063,7 +3066,6 @@
             </p:cNvPr>
             <p:cNvCxnSpPr>
               <a:cxnSpLocks/>
-              <a:stCxn id="3" idx="2"/>
             </p:cNvCxnSpPr>
             <p:nvPr/>
           </p:nvCxnSpPr>
@@ -3111,7 +3113,6 @@
             </p:cNvPr>
             <p:cNvCxnSpPr>
               <a:cxnSpLocks/>
-              <a:stCxn id="3" idx="2"/>
             </p:cNvCxnSpPr>
             <p:nvPr/>
           </p:nvCxnSpPr>
@@ -3159,7 +3160,6 @@
             </p:cNvPr>
             <p:cNvCxnSpPr>
               <a:cxnSpLocks/>
-              <a:stCxn id="3" idx="2"/>
             </p:cNvCxnSpPr>
             <p:nvPr/>
           </p:nvCxnSpPr>
@@ -3254,7 +3254,6 @@
             </p:cNvPr>
             <p:cNvCxnSpPr>
               <a:cxnSpLocks/>
-              <a:endCxn id="3" idx="2"/>
             </p:cNvCxnSpPr>
             <p:nvPr/>
           </p:nvCxnSpPr>
@@ -3302,7 +3301,6 @@
             </p:cNvPr>
             <p:cNvCxnSpPr>
               <a:cxnSpLocks/>
-              <a:endCxn id="3" idx="2"/>
             </p:cNvCxnSpPr>
             <p:nvPr/>
           </p:nvCxnSpPr>
@@ -3354,10 +3352,10 @@
         </p:nvGrpSpPr>
         <p:grpSpPr>
           <a:xfrm>
-            <a:off x="499337" y="1688468"/>
-            <a:ext cx="9509342" cy="3524403"/>
-            <a:chOff x="499337" y="1688468"/>
-            <a:chExt cx="9509342" cy="3524403"/>
+            <a:off x="579404" y="1688468"/>
+            <a:ext cx="9429275" cy="3524403"/>
+            <a:chOff x="579404" y="1688468"/>
+            <a:chExt cx="9429275" cy="3524403"/>
           </a:xfrm>
         </p:grpSpPr>
         <p:sp>
@@ -3374,7 +3372,7 @@
           </p:nvSpPr>
           <p:spPr>
             <a:xfrm>
-              <a:off x="499337" y="3062163"/>
+              <a:off x="579404" y="3077388"/>
               <a:ext cx="2518676" cy="461665"/>
             </a:xfrm>
             <a:prstGeom prst="rect">
@@ -3403,8 +3401,8 @@
             </a:p>
           </p:txBody>
         </p:sp>
-        <mc:AlternateContent xmlns:mc="http://schemas.openxmlformats.org/markup-compatibility/2006">
-          <mc:Choice xmlns:a14="http://schemas.microsoft.com/office/drawing/2010/main" Requires="a14">
+        <mc:AlternateContent xmlns:mc="http://schemas.openxmlformats.org/markup-compatibility/2006" xmlns:a14="http://schemas.microsoft.com/office/drawing/2010/main">
+          <mc:Choice Requires="a14">
             <p:sp>
               <p:nvSpPr>
                 <p:cNvPr id="33" name="TextBox 32">
@@ -3517,7 +3515,7 @@
               </p:txBody>
             </p:sp>
           </mc:Choice>
-          <mc:Fallback>
+          <mc:Fallback xmlns="">
             <p:sp>
               <p:nvSpPr>
                 <p:cNvPr id="33" name="TextBox 32">
@@ -3562,8 +3560,8 @@
             </p:sp>
           </mc:Fallback>
         </mc:AlternateContent>
-        <mc:AlternateContent xmlns:mc="http://schemas.openxmlformats.org/markup-compatibility/2006">
-          <mc:Choice xmlns:a14="http://schemas.microsoft.com/office/drawing/2010/main" Requires="a14">
+        <mc:AlternateContent xmlns:mc="http://schemas.openxmlformats.org/markup-compatibility/2006" xmlns:a14="http://schemas.microsoft.com/office/drawing/2010/main">
+          <mc:Choice Requires="a14">
             <p:sp>
               <p:nvSpPr>
                 <p:cNvPr id="34" name="TextBox 33">
@@ -3676,7 +3674,7 @@
               </p:txBody>
             </p:sp>
           </mc:Choice>
-          <mc:Fallback>
+          <mc:Fallback xmlns="">
             <p:sp>
               <p:nvSpPr>
                 <p:cNvPr id="34" name="TextBox 33">
@@ -3721,8 +3719,8 @@
             </p:sp>
           </mc:Fallback>
         </mc:AlternateContent>
-        <mc:AlternateContent xmlns:mc="http://schemas.openxmlformats.org/markup-compatibility/2006">
-          <mc:Choice xmlns:a14="http://schemas.microsoft.com/office/drawing/2010/main" Requires="a14">
+        <mc:AlternateContent xmlns:mc="http://schemas.openxmlformats.org/markup-compatibility/2006" xmlns:a14="http://schemas.microsoft.com/office/drawing/2010/main">
+          <mc:Choice Requires="a14">
             <p:sp>
               <p:nvSpPr>
                 <p:cNvPr id="35" name="TextBox 34">
@@ -3835,7 +3833,7 @@
               </p:txBody>
             </p:sp>
           </mc:Choice>
-          <mc:Fallback>
+          <mc:Fallback xmlns="">
             <p:sp>
               <p:nvSpPr>
                 <p:cNvPr id="35" name="TextBox 34">
@@ -3880,8 +3878,8 @@
             </p:sp>
           </mc:Fallback>
         </mc:AlternateContent>
-        <mc:AlternateContent xmlns:mc="http://schemas.openxmlformats.org/markup-compatibility/2006">
-          <mc:Choice xmlns:a14="http://schemas.microsoft.com/office/drawing/2010/main" Requires="a14">
+        <mc:AlternateContent xmlns:mc="http://schemas.openxmlformats.org/markup-compatibility/2006" xmlns:a14="http://schemas.microsoft.com/office/drawing/2010/main">
+          <mc:Choice Requires="a14">
             <p:sp>
               <p:nvSpPr>
                 <p:cNvPr id="36" name="TextBox 35">
@@ -3994,7 +3992,7 @@
               </p:txBody>
             </p:sp>
           </mc:Choice>
-          <mc:Fallback>
+          <mc:Fallback xmlns="">
             <p:sp>
               <p:nvSpPr>
                 <p:cNvPr id="36" name="TextBox 35">
@@ -4039,8 +4037,8 @@
             </p:sp>
           </mc:Fallback>
         </mc:AlternateContent>
-        <mc:AlternateContent xmlns:mc="http://schemas.openxmlformats.org/markup-compatibility/2006">
-          <mc:Choice xmlns:a14="http://schemas.microsoft.com/office/drawing/2010/main" Requires="a14">
+        <mc:AlternateContent xmlns:mc="http://schemas.openxmlformats.org/markup-compatibility/2006" xmlns:a14="http://schemas.microsoft.com/office/drawing/2010/main">
+          <mc:Choice Requires="a14">
             <p:sp>
               <p:nvSpPr>
                 <p:cNvPr id="37" name="TextBox 36">
@@ -4153,7 +4151,7 @@
               </p:txBody>
             </p:sp>
           </mc:Choice>
-          <mc:Fallback>
+          <mc:Fallback xmlns="">
             <p:sp>
               <p:nvSpPr>
                 <p:cNvPr id="37" name="TextBox 36">
@@ -4201,10 +4199,10 @@
       </p:grpSp>
       <p:grpSp>
         <p:nvGrpSpPr>
-          <p:cNvPr id="47" name="Group 46">
+          <p:cNvPr id="21" name="Group 20">
             <a:extLst>
               <a:ext uri="{FF2B5EF4-FFF2-40B4-BE49-F238E27FC236}">
-                <a16:creationId xmlns:a16="http://schemas.microsoft.com/office/drawing/2014/main" id="{A60C7AC4-CDB4-404B-A6AF-64EEC8D63D26}"/>
+                <a16:creationId xmlns:a16="http://schemas.microsoft.com/office/drawing/2014/main" id="{2ACB774A-129D-4BFB-8796-7817F665915B}"/>
               </a:ext>
             </a:extLst>
           </p:cNvPr>
@@ -4218,13 +4216,18 @@
             <a:chOff x="1254098" y="1428195"/>
             <a:chExt cx="9858854" cy="4138735"/>
           </a:xfrm>
+          <a:solidFill>
+            <a:schemeClr val="accent3">
+              <a:lumMod val="50000"/>
+            </a:schemeClr>
+          </a:solidFill>
         </p:grpSpPr>
         <p:pic>
           <p:nvPicPr>
-            <p:cNvPr id="3" name="Graphic 3" descr="User with solid fill">
+            <p:cNvPr id="2" name="Graphic 2" descr="Database with solid fill">
               <a:extLst>
                 <a:ext uri="{FF2B5EF4-FFF2-40B4-BE49-F238E27FC236}">
-                  <a16:creationId xmlns:a16="http://schemas.microsoft.com/office/drawing/2014/main" id="{B74FC6A5-AEA3-48ED-8131-47C0FFEEBA15}"/>
+                  <a16:creationId xmlns:a16="http://schemas.microsoft.com/office/drawing/2014/main" id="{A12D456A-67EA-44E9-A61C-F4932C52E5AE}"/>
                 </a:ext>
               </a:extLst>
             </p:cNvPr>
@@ -4247,215 +4250,158 @@
           </p:blipFill>
           <p:spPr>
             <a:xfrm>
-              <a:off x="2169973" y="1429242"/>
-              <a:ext cx="862926" cy="869171"/>
+              <a:off x="1254098" y="1842047"/>
+              <a:ext cx="904029" cy="897087"/>
             </a:xfrm>
             <a:prstGeom prst="rect">
               <a:avLst/>
             </a:prstGeom>
           </p:spPr>
         </p:pic>
-        <p:grpSp>
-          <p:nvGrpSpPr>
-            <p:cNvPr id="21" name="Group 20">
+        <p:pic>
+          <p:nvPicPr>
+            <p:cNvPr id="41" name="Graphic 2" descr="Database with solid fill">
               <a:extLst>
                 <a:ext uri="{FF2B5EF4-FFF2-40B4-BE49-F238E27FC236}">
-                  <a16:creationId xmlns:a16="http://schemas.microsoft.com/office/drawing/2014/main" id="{2ACB774A-129D-4BFB-8796-7817F665915B}"/>
+                  <a16:creationId xmlns:a16="http://schemas.microsoft.com/office/drawing/2014/main" id="{6A27D7FE-DE13-40F6-8340-29A88CDEB54D}"/>
                 </a:ext>
               </a:extLst>
             </p:cNvPr>
-            <p:cNvGrpSpPr/>
+            <p:cNvPicPr>
+              <a:picLocks noChangeAspect="1"/>
+            </p:cNvPicPr>
             <p:nvPr/>
-          </p:nvGrpSpPr>
-          <p:grpSpPr>
+          </p:nvPicPr>
+          <p:blipFill>
+            <a:blip r:embed="rId10">
+              <a:extLst>
+                <a:ext uri="{96DAC541-7B7A-43D3-8B79-37D633B846F1}">
+                  <asvg:svgBlip xmlns:asvg="http://schemas.microsoft.com/office/drawing/2016/SVG/main" r:embed="rId11"/>
+                </a:ext>
+              </a:extLst>
+            </a:blip>
+            <a:stretch>
+              <a:fillRect/>
+            </a:stretch>
+          </p:blipFill>
+          <p:spPr>
             <a:xfrm>
-              <a:off x="1254098" y="1428195"/>
-              <a:ext cx="9858854" cy="4138735"/>
-              <a:chOff x="1254098" y="1428195"/>
-              <a:chExt cx="9858854" cy="4138735"/>
+              <a:off x="4330921" y="4669843"/>
+              <a:ext cx="904029" cy="897087"/>
             </a:xfrm>
-          </p:grpSpPr>
-          <p:pic>
-            <p:nvPicPr>
-              <p:cNvPr id="2" name="Graphic 2" descr="Database with solid fill">
-                <a:extLst>
-                  <a:ext uri="{FF2B5EF4-FFF2-40B4-BE49-F238E27FC236}">
-                    <a16:creationId xmlns:a16="http://schemas.microsoft.com/office/drawing/2014/main" id="{A12D456A-67EA-44E9-A61C-F4932C52E5AE}"/>
-                  </a:ext>
-                </a:extLst>
-              </p:cNvPr>
-              <p:cNvPicPr>
-                <a:picLocks noChangeAspect="1"/>
-              </p:cNvPicPr>
-              <p:nvPr/>
-            </p:nvPicPr>
-            <p:blipFill>
-              <a:blip r:embed="rId12">
-                <a:extLst>
-                  <a:ext uri="{96DAC541-7B7A-43D3-8B79-37D633B846F1}">
-                    <asvg:svgBlip xmlns:asvg="http://schemas.microsoft.com/office/drawing/2016/SVG/main" r:embed="rId13"/>
-                  </a:ext>
-                </a:extLst>
-              </a:blip>
-              <a:stretch>
-                <a:fillRect/>
-              </a:stretch>
-            </p:blipFill>
-            <p:spPr>
-              <a:xfrm>
-                <a:off x="1254098" y="1842047"/>
-                <a:ext cx="904029" cy="897087"/>
-              </a:xfrm>
-              <a:prstGeom prst="rect">
-                <a:avLst/>
-              </a:prstGeom>
-            </p:spPr>
-          </p:pic>
-          <p:pic>
-            <p:nvPicPr>
-              <p:cNvPr id="41" name="Graphic 2" descr="Database with solid fill">
-                <a:extLst>
-                  <a:ext uri="{FF2B5EF4-FFF2-40B4-BE49-F238E27FC236}">
-                    <a16:creationId xmlns:a16="http://schemas.microsoft.com/office/drawing/2014/main" id="{6A27D7FE-DE13-40F6-8340-29A88CDEB54D}"/>
-                  </a:ext>
-                </a:extLst>
-              </p:cNvPr>
-              <p:cNvPicPr>
-                <a:picLocks noChangeAspect="1"/>
-              </p:cNvPicPr>
-              <p:nvPr/>
-            </p:nvPicPr>
-            <p:blipFill>
-              <a:blip r:embed="rId12">
-                <a:extLst>
-                  <a:ext uri="{96DAC541-7B7A-43D3-8B79-37D633B846F1}">
-                    <asvg:svgBlip xmlns:asvg="http://schemas.microsoft.com/office/drawing/2016/SVG/main" r:embed="rId13"/>
-                  </a:ext>
-                </a:extLst>
-              </a:blip>
-              <a:stretch>
-                <a:fillRect/>
-              </a:stretch>
-            </p:blipFill>
-            <p:spPr>
-              <a:xfrm>
-                <a:off x="4330921" y="4669843"/>
-                <a:ext cx="904029" cy="897087"/>
-              </a:xfrm>
-              <a:prstGeom prst="rect">
-                <a:avLst/>
-              </a:prstGeom>
-            </p:spPr>
-          </p:pic>
-          <p:pic>
-            <p:nvPicPr>
-              <p:cNvPr id="42" name="Graphic 2" descr="Database with solid fill">
-                <a:extLst>
-                  <a:ext uri="{FF2B5EF4-FFF2-40B4-BE49-F238E27FC236}">
-                    <a16:creationId xmlns:a16="http://schemas.microsoft.com/office/drawing/2014/main" id="{F05A7DB0-3DB4-454A-ABD6-BCBDA1D70151}"/>
-                  </a:ext>
-                </a:extLst>
-              </p:cNvPr>
-              <p:cNvPicPr>
-                <a:picLocks noChangeAspect="1"/>
-              </p:cNvPicPr>
-              <p:nvPr/>
-            </p:nvPicPr>
-            <p:blipFill>
-              <a:blip r:embed="rId12">
-                <a:extLst>
-                  <a:ext uri="{96DAC541-7B7A-43D3-8B79-37D633B846F1}">
-                    <asvg:svgBlip xmlns:asvg="http://schemas.microsoft.com/office/drawing/2016/SVG/main" r:embed="rId13"/>
-                  </a:ext>
-                </a:extLst>
-              </a:blip>
-              <a:stretch>
-                <a:fillRect/>
-              </a:stretch>
-            </p:blipFill>
-            <p:spPr>
-              <a:xfrm>
-                <a:off x="6108446" y="1428195"/>
-                <a:ext cx="904029" cy="897087"/>
-              </a:xfrm>
-              <a:prstGeom prst="rect">
-                <a:avLst/>
-              </a:prstGeom>
-            </p:spPr>
-          </p:pic>
-          <p:pic>
-            <p:nvPicPr>
-              <p:cNvPr id="43" name="Graphic 2" descr="Database with solid fill">
-                <a:extLst>
-                  <a:ext uri="{FF2B5EF4-FFF2-40B4-BE49-F238E27FC236}">
-                    <a16:creationId xmlns:a16="http://schemas.microsoft.com/office/drawing/2014/main" id="{AB1A2B2F-55FC-4A51-A40D-1805A2418750}"/>
-                  </a:ext>
-                </a:extLst>
-              </p:cNvPr>
-              <p:cNvPicPr>
-                <a:picLocks noChangeAspect="1"/>
-              </p:cNvPicPr>
-              <p:nvPr/>
-            </p:nvPicPr>
-            <p:blipFill>
-              <a:blip r:embed="rId12">
-                <a:extLst>
-                  <a:ext uri="{96DAC541-7B7A-43D3-8B79-37D633B846F1}">
-                    <asvg:svgBlip xmlns:asvg="http://schemas.microsoft.com/office/drawing/2016/SVG/main" r:embed="rId13"/>
-                  </a:ext>
-                </a:extLst>
-              </a:blip>
-              <a:stretch>
-                <a:fillRect/>
-              </a:stretch>
-            </p:blipFill>
-            <p:spPr>
-              <a:xfrm>
-                <a:off x="10208923" y="1953784"/>
-                <a:ext cx="904029" cy="897087"/>
-              </a:xfrm>
-              <a:prstGeom prst="rect">
-                <a:avLst/>
-              </a:prstGeom>
-            </p:spPr>
-          </p:pic>
-          <p:pic>
-            <p:nvPicPr>
-              <p:cNvPr id="44" name="Graphic 2" descr="Database with solid fill">
-                <a:extLst>
-                  <a:ext uri="{FF2B5EF4-FFF2-40B4-BE49-F238E27FC236}">
-                    <a16:creationId xmlns:a16="http://schemas.microsoft.com/office/drawing/2014/main" id="{B848D06B-08FB-4C41-9873-9B7C28ECA9B4}"/>
-                  </a:ext>
-                </a:extLst>
-              </p:cNvPr>
-              <p:cNvPicPr>
-                <a:picLocks noChangeAspect="1"/>
-              </p:cNvPicPr>
-              <p:nvPr/>
-            </p:nvPicPr>
-            <p:blipFill>
-              <a:blip r:embed="rId12">
-                <a:extLst>
-                  <a:ext uri="{96DAC541-7B7A-43D3-8B79-37D633B846F1}">
-                    <asvg:svgBlip xmlns:asvg="http://schemas.microsoft.com/office/drawing/2016/SVG/main" r:embed="rId13"/>
-                  </a:ext>
-                </a:extLst>
-              </a:blip>
-              <a:stretch>
-                <a:fillRect/>
-              </a:stretch>
-            </p:blipFill>
-            <p:spPr>
-              <a:xfrm>
-                <a:off x="8439206" y="2869084"/>
-                <a:ext cx="904029" cy="897087"/>
-              </a:xfrm>
-              <a:prstGeom prst="rect">
-                <a:avLst/>
-              </a:prstGeom>
-            </p:spPr>
-          </p:pic>
-        </p:grpSp>
+            <a:prstGeom prst="rect">
+              <a:avLst/>
+            </a:prstGeom>
+          </p:spPr>
+        </p:pic>
+        <p:pic>
+          <p:nvPicPr>
+            <p:cNvPr id="42" name="Graphic 2" descr="Database with solid fill">
+              <a:extLst>
+                <a:ext uri="{FF2B5EF4-FFF2-40B4-BE49-F238E27FC236}">
+                  <a16:creationId xmlns:a16="http://schemas.microsoft.com/office/drawing/2014/main" id="{F05A7DB0-3DB4-454A-ABD6-BCBDA1D70151}"/>
+                </a:ext>
+              </a:extLst>
+            </p:cNvPr>
+            <p:cNvPicPr>
+              <a:picLocks noChangeAspect="1"/>
+            </p:cNvPicPr>
+            <p:nvPr/>
+          </p:nvPicPr>
+          <p:blipFill>
+            <a:blip r:embed="rId10">
+              <a:extLst>
+                <a:ext uri="{96DAC541-7B7A-43D3-8B79-37D633B846F1}">
+                  <asvg:svgBlip xmlns:asvg="http://schemas.microsoft.com/office/drawing/2016/SVG/main" r:embed="rId11"/>
+                </a:ext>
+              </a:extLst>
+            </a:blip>
+            <a:stretch>
+              <a:fillRect/>
+            </a:stretch>
+          </p:blipFill>
+          <p:spPr>
+            <a:xfrm>
+              <a:off x="6108446" y="1428195"/>
+              <a:ext cx="904029" cy="897087"/>
+            </a:xfrm>
+            <a:prstGeom prst="rect">
+              <a:avLst/>
+            </a:prstGeom>
+          </p:spPr>
+        </p:pic>
+        <p:pic>
+          <p:nvPicPr>
+            <p:cNvPr id="43" name="Graphic 2" descr="Database with solid fill">
+              <a:extLst>
+                <a:ext uri="{FF2B5EF4-FFF2-40B4-BE49-F238E27FC236}">
+                  <a16:creationId xmlns:a16="http://schemas.microsoft.com/office/drawing/2014/main" id="{AB1A2B2F-55FC-4A51-A40D-1805A2418750}"/>
+                </a:ext>
+              </a:extLst>
+            </p:cNvPr>
+            <p:cNvPicPr>
+              <a:picLocks noChangeAspect="1"/>
+            </p:cNvPicPr>
+            <p:nvPr/>
+          </p:nvPicPr>
+          <p:blipFill>
+            <a:blip r:embed="rId10">
+              <a:extLst>
+                <a:ext uri="{96DAC541-7B7A-43D3-8B79-37D633B846F1}">
+                  <asvg:svgBlip xmlns:asvg="http://schemas.microsoft.com/office/drawing/2016/SVG/main" r:embed="rId11"/>
+                </a:ext>
+              </a:extLst>
+            </a:blip>
+            <a:stretch>
+              <a:fillRect/>
+            </a:stretch>
+          </p:blipFill>
+          <p:spPr>
+            <a:xfrm>
+              <a:off x="10208923" y="1953784"/>
+              <a:ext cx="904029" cy="897087"/>
+            </a:xfrm>
+            <a:prstGeom prst="rect">
+              <a:avLst/>
+            </a:prstGeom>
+          </p:spPr>
+        </p:pic>
+        <p:pic>
+          <p:nvPicPr>
+            <p:cNvPr id="44" name="Graphic 2" descr="Database with solid fill">
+              <a:extLst>
+                <a:ext uri="{FF2B5EF4-FFF2-40B4-BE49-F238E27FC236}">
+                  <a16:creationId xmlns:a16="http://schemas.microsoft.com/office/drawing/2014/main" id="{B848D06B-08FB-4C41-9873-9B7C28ECA9B4}"/>
+                </a:ext>
+              </a:extLst>
+            </p:cNvPr>
+            <p:cNvPicPr>
+              <a:picLocks noChangeAspect="1"/>
+            </p:cNvPicPr>
+            <p:nvPr/>
+          </p:nvPicPr>
+          <p:blipFill>
+            <a:blip r:embed="rId10">
+              <a:extLst>
+                <a:ext uri="{96DAC541-7B7A-43D3-8B79-37D633B846F1}">
+                  <asvg:svgBlip xmlns:asvg="http://schemas.microsoft.com/office/drawing/2016/SVG/main" r:embed="rId11"/>
+                </a:ext>
+              </a:extLst>
+            </a:blip>
+            <a:stretch>
+              <a:fillRect/>
+            </a:stretch>
+          </p:blipFill>
+          <p:spPr>
+            <a:xfrm>
+              <a:off x="8439206" y="2869084"/>
+              <a:ext cx="904029" cy="897087"/>
+            </a:xfrm>
+            <a:prstGeom prst="rect">
+              <a:avLst/>
+            </a:prstGeom>
+          </p:spPr>
+        </p:pic>
       </p:grpSp>
       <p:grpSp>
         <p:nvGrpSpPr>
@@ -4471,10 +4417,10 @@
         </p:nvGrpSpPr>
         <p:grpSpPr>
           <a:xfrm>
-            <a:off x="601119" y="937984"/>
-            <a:ext cx="11526775" cy="5441197"/>
-            <a:chOff x="601119" y="937984"/>
-            <a:chExt cx="11526775" cy="5441197"/>
+            <a:off x="762459" y="846465"/>
+            <a:ext cx="11547592" cy="5495267"/>
+            <a:chOff x="762459" y="846465"/>
+            <a:chExt cx="11547592" cy="5495267"/>
           </a:xfrm>
         </p:grpSpPr>
         <p:sp>
@@ -4491,8 +4437,8 @@
           </p:nvSpPr>
           <p:spPr>
             <a:xfrm>
-              <a:off x="601119" y="2590067"/>
-              <a:ext cx="2429716" cy="646331"/>
+              <a:off x="762459" y="2604300"/>
+              <a:ext cx="2429716" cy="584775"/>
             </a:xfrm>
             <a:prstGeom prst="rect">
               <a:avLst/>
@@ -4506,7 +4452,7 @@
             <a:lstStyle/>
             <a:p>
               <a:r>
-                <a:rPr lang="en-US" sz="3600" b="1" dirty="0">
+                <a:rPr lang="en-US" sz="3200" b="1" dirty="0">
                   <a:latin typeface="Times New Roman" panose="02020603050405020304" pitchFamily="18" charset="0"/>
                   <a:cs typeface="Times New Roman" panose="02020603050405020304" pitchFamily="18" charset="0"/>
                 </a:rPr>
@@ -4529,8 +4475,8 @@
           </p:nvSpPr>
           <p:spPr>
             <a:xfrm>
-              <a:off x="1379413" y="974446"/>
-              <a:ext cx="2453659" cy="646331"/>
+              <a:off x="1379413" y="846465"/>
+              <a:ext cx="2453659" cy="584775"/>
             </a:xfrm>
             <a:prstGeom prst="rect">
               <a:avLst/>
@@ -4548,7 +4494,7 @@
             <a:p>
               <a:pPr algn="ctr"/>
               <a:r>
-                <a:rPr lang="en-US" sz="3600" b="1" dirty="0">
+                <a:rPr lang="en-US" sz="3200" b="1" dirty="0">
                   <a:latin typeface="Times New Roman" panose="02020603050405020304" pitchFamily="18" charset="0"/>
                   <a:cs typeface="Times New Roman" panose="02020603050405020304" pitchFamily="18" charset="0"/>
                 </a:rPr>
@@ -4571,8 +4517,8 @@
           </p:nvSpPr>
           <p:spPr>
             <a:xfrm>
-              <a:off x="3682915" y="5366079"/>
-              <a:ext cx="2200039" cy="646331"/>
+              <a:off x="3846628" y="5440462"/>
+              <a:ext cx="2200039" cy="584775"/>
             </a:xfrm>
             <a:prstGeom prst="rect">
               <a:avLst/>
@@ -4586,7 +4532,7 @@
             <a:lstStyle/>
             <a:p>
               <a:r>
-                <a:rPr lang="en-US" sz="3600" b="1" dirty="0">
+                <a:rPr lang="en-US" sz="3200" b="1" dirty="0">
                   <a:latin typeface="Times New Roman" panose="02020603050405020304" pitchFamily="18" charset="0"/>
                   <a:cs typeface="Times New Roman" panose="02020603050405020304" pitchFamily="18" charset="0"/>
                 </a:rPr>
@@ -4609,8 +4555,8 @@
           </p:nvSpPr>
           <p:spPr>
             <a:xfrm>
-              <a:off x="10402808" y="5732850"/>
-              <a:ext cx="1725086" cy="646331"/>
+              <a:off x="10584965" y="5756957"/>
+              <a:ext cx="1725086" cy="584775"/>
             </a:xfrm>
             <a:prstGeom prst="rect">
               <a:avLst/>
@@ -4624,7 +4570,7 @@
             <a:lstStyle/>
             <a:p>
               <a:r>
-                <a:rPr lang="en-US" sz="3600" b="1" dirty="0">
+                <a:rPr lang="en-US" sz="3200" b="1" dirty="0">
                   <a:latin typeface="Times New Roman" panose="02020603050405020304" pitchFamily="18" charset="0"/>
                   <a:cs typeface="Times New Roman" panose="02020603050405020304" pitchFamily="18" charset="0"/>
                 </a:rPr>
@@ -4647,8 +4593,8 @@
           </p:nvSpPr>
           <p:spPr>
             <a:xfrm>
-              <a:off x="5965256" y="937984"/>
-              <a:ext cx="1460469" cy="646331"/>
+              <a:off x="6007463" y="937984"/>
+              <a:ext cx="1460469" cy="584775"/>
             </a:xfrm>
             <a:prstGeom prst="rect">
               <a:avLst/>
@@ -4662,7 +4608,7 @@
             <a:lstStyle/>
             <a:p>
               <a:r>
-                <a:rPr lang="en-US" sz="3600" b="1" dirty="0">
+                <a:rPr lang="en-US" sz="3200" b="1" dirty="0">
                   <a:latin typeface="Times New Roman" panose="02020603050405020304" pitchFamily="18" charset="0"/>
                   <a:cs typeface="Times New Roman" panose="02020603050405020304" pitchFamily="18" charset="0"/>
                 </a:rPr>
@@ -4685,8 +4631,8 @@
           </p:nvSpPr>
           <p:spPr>
             <a:xfrm>
-              <a:off x="7948652" y="3566623"/>
-              <a:ext cx="2249979" cy="646331"/>
+              <a:off x="8102033" y="3587081"/>
+              <a:ext cx="2249979" cy="584775"/>
             </a:xfrm>
             <a:prstGeom prst="rect">
               <a:avLst/>
@@ -4700,7 +4646,7 @@
             <a:lstStyle/>
             <a:p>
               <a:r>
-                <a:rPr lang="en-US" sz="3600" b="1" dirty="0">
+                <a:rPr lang="en-US" sz="3200" b="1" dirty="0">
                   <a:latin typeface="Times New Roman" panose="02020603050405020304" pitchFamily="18" charset="0"/>
                   <a:cs typeface="Times New Roman" panose="02020603050405020304" pitchFamily="18" charset="0"/>
                 </a:rPr>
@@ -4723,8 +4669,8 @@
           </p:nvSpPr>
           <p:spPr>
             <a:xfrm>
-              <a:off x="9987039" y="1462612"/>
-              <a:ext cx="1460469" cy="646331"/>
+              <a:off x="10007220" y="1489757"/>
+              <a:ext cx="1460469" cy="584775"/>
             </a:xfrm>
             <a:prstGeom prst="rect">
               <a:avLst/>
@@ -4738,7 +4684,7 @@
             <a:lstStyle/>
             <a:p>
               <a:r>
-                <a:rPr lang="en-US" sz="3600" b="1" dirty="0">
+                <a:rPr lang="en-US" sz="3200" b="1" dirty="0">
                   <a:latin typeface="Times New Roman" panose="02020603050405020304" pitchFamily="18" charset="0"/>
                   <a:cs typeface="Times New Roman" panose="02020603050405020304" pitchFamily="18" charset="0"/>
                 </a:rPr>
@@ -4763,7 +4709,43 @@
           <p:nvPr/>
         </p:nvPicPr>
         <p:blipFill>
-          <a:blip r:embed="rId12">
+          <a:blip r:embed="rId10">
+            <a:extLst>
+              <a:ext uri="{96DAC541-7B7A-43D3-8B79-37D633B846F1}">
+                <asvg:svgBlip xmlns:asvg="http://schemas.microsoft.com/office/drawing/2016/SVG/main" r:embed="rId12"/>
+              </a:ext>
+            </a:extLst>
+          </a:blip>
+          <a:stretch>
+            <a:fillRect/>
+          </a:stretch>
+        </p:blipFill>
+        <p:spPr>
+          <a:xfrm>
+            <a:off x="10813337" y="4982241"/>
+            <a:ext cx="904029" cy="897087"/>
+          </a:xfrm>
+          <a:prstGeom prst="rect">
+            <a:avLst/>
+          </a:prstGeom>
+        </p:spPr>
+      </p:pic>
+      <p:pic>
+        <p:nvPicPr>
+          <p:cNvPr id="39" name="Graphic 3" descr="User with solid fill">
+            <a:extLst>
+              <a:ext uri="{FF2B5EF4-FFF2-40B4-BE49-F238E27FC236}">
+                <a16:creationId xmlns:a16="http://schemas.microsoft.com/office/drawing/2014/main" id="{BA525D4D-B67E-4E76-9697-F7C51790D06C}"/>
+              </a:ext>
+            </a:extLst>
+          </p:cNvPr>
+          <p:cNvPicPr>
+            <a:picLocks noChangeAspect="1"/>
+          </p:cNvPicPr>
+          <p:nvPr/>
+        </p:nvPicPr>
+        <p:blipFill>
+          <a:blip r:embed="rId13">
             <a:extLst>
               <a:ext uri="{96DAC541-7B7A-43D3-8B79-37D633B846F1}">
                 <asvg:svgBlip xmlns:asvg="http://schemas.microsoft.com/office/drawing/2016/SVG/main" r:embed="rId14"/>
@@ -4776,8 +4758,8 @@
         </p:blipFill>
         <p:spPr>
           <a:xfrm>
-            <a:off x="10813337" y="4982241"/>
-            <a:ext cx="904029" cy="897087"/>
+            <a:off x="2180486" y="1279944"/>
+            <a:ext cx="862926" cy="869171"/>
           </a:xfrm>
           <a:prstGeom prst="rect">
             <a:avLst/>
@@ -5059,15 +5041,6 @@
 </file>
 
 <file path=customXml/item1.xml><?xml version="1.0" encoding="utf-8"?>
-<?mso-contentType ?>
-<FormTemplates xmlns="http://schemas.microsoft.com/sharepoint/v3/contenttype/forms">
-  <Display>DocumentLibraryForm</Display>
-  <Edit>DocumentLibraryForm</Edit>
-  <New>DocumentLibraryForm</New>
-</FormTemplates>
-</file>
-
-<file path=customXml/item2.xml><?xml version="1.0" encoding="utf-8"?>
 <ct:contentTypeSchema xmlns:ct="http://schemas.microsoft.com/office/2006/metadata/contentType" xmlns:ma="http://schemas.microsoft.com/office/2006/metadata/properties/metaAttributes" ct:_="" ma:_="" ma:contentTypeName="Document" ma:contentTypeID="0x010100F7598C67725F45458626E8D341F66A82" ma:contentTypeVersion="7" ma:contentTypeDescription="Create a new document." ma:contentTypeScope="" ma:versionID="0530ebc50e50687b46464884041a4c88">
   <xsd:schema xmlns:xsd="http://www.w3.org/2001/XMLSchema" xmlns:xs="http://www.w3.org/2001/XMLSchema" xmlns:p="http://schemas.microsoft.com/office/2006/metadata/properties" xmlns:ns2="bb545e35-b962-4eb7-b140-fe632bd2d300" targetNamespace="http://schemas.microsoft.com/office/2006/metadata/properties" ma:root="true" ma:fieldsID="0c30b500e5d3f94f4840b7e2cb20e735" ns2:_="">
     <xsd:import namespace="bb545e35-b962-4eb7-b140-fe632bd2d300"/>
@@ -5231,21 +5204,22 @@
 </ct:contentTypeSchema>
 </file>
 
-<file path=customXml/item3.xml><?xml version="1.0" encoding="utf-8"?>
+<file path=customXml/item2.xml><?xml version="1.0" encoding="utf-8"?>
 <p:properties xmlns:p="http://schemas.microsoft.com/office/2006/metadata/properties" xmlns:xsi="http://www.w3.org/2001/XMLSchema-instance" xmlns:pc="http://schemas.microsoft.com/office/infopath/2007/PartnerControls">
   <documentManagement/>
 </p:properties>
 </file>
 
-<file path=customXml/itemProps1.xml><?xml version="1.0" encoding="utf-8"?>
-<ds:datastoreItem xmlns:ds="http://schemas.openxmlformats.org/officeDocument/2006/customXml" ds:itemID="{DDAF02CF-C326-4D6F-9D0F-9A6EC3007267}">
-  <ds:schemaRefs>
-    <ds:schemaRef ds:uri="http://schemas.microsoft.com/sharepoint/v3/contenttype/forms"/>
-  </ds:schemaRefs>
-</ds:datastoreItem>
+<file path=customXml/item3.xml><?xml version="1.0" encoding="utf-8"?>
+<?mso-contentType ?>
+<FormTemplates xmlns="http://schemas.microsoft.com/sharepoint/v3/contenttype/forms">
+  <Display>DocumentLibraryForm</Display>
+  <Edit>DocumentLibraryForm</Edit>
+  <New>DocumentLibraryForm</New>
+</FormTemplates>
 </file>
 
-<file path=customXml/itemProps2.xml><?xml version="1.0" encoding="utf-8"?>
+<file path=customXml/itemProps1.xml><?xml version="1.0" encoding="utf-8"?>
 <ds:datastoreItem xmlns:ds="http://schemas.openxmlformats.org/officeDocument/2006/customXml" ds:itemID="{BE58A656-36D1-4DA9-AA27-313D6EBEF413}">
   <ds:schemaRefs>
     <ds:schemaRef ds:uri="http://schemas.microsoft.com/office/2006/metadata/contentType"/>
@@ -5263,7 +5237,7 @@
 </ds:datastoreItem>
 </file>
 
-<file path=customXml/itemProps3.xml><?xml version="1.0" encoding="utf-8"?>
+<file path=customXml/itemProps2.xml><?xml version="1.0" encoding="utf-8"?>
 <ds:datastoreItem xmlns:ds="http://schemas.openxmlformats.org/officeDocument/2006/customXml" ds:itemID="{90559444-45B5-4E57-8320-6E0D16B01D66}">
   <ds:schemaRefs>
     <ds:schemaRef ds:uri="http://purl.org/dc/terms/"/>
@@ -5277,4 +5251,12 @@
     <ds:schemaRef ds:uri="http://schemas.microsoft.com/office/2006/metadata/properties"/>
   </ds:schemaRefs>
 </ds:datastoreItem>
+</file>
+
+<file path=customXml/itemProps3.xml><?xml version="1.0" encoding="utf-8"?>
+<ds:datastoreItem xmlns:ds="http://schemas.openxmlformats.org/officeDocument/2006/customXml" ds:itemID="{DDAF02CF-C326-4D6F-9D0F-9A6EC3007267}">
+  <ds:schemaRefs>
+    <ds:schemaRef ds:uri="http://schemas.microsoft.com/sharepoint/v3/contenttype/forms"/>
+  </ds:schemaRefs>
+</ds:datastoreItem>
 </file>